--- a/sheCodesFinal.pptx
+++ b/sheCodesFinal.pptx
@@ -346,7 +346,7 @@
           <a:p>
             <a:fld id="{F02F660E-EE41-41A3-9FEB-A9B8CFBC451A}" type="datetimeFigureOut">
               <a:rPr lang="he-IL" smtClean="0"/>
-              <a:t>י'/טבת/תשפ"ג</a:t>
+              <a:t>י"א/טבת/תשפ"ג</a:t>
             </a:fld>
             <a:endParaRPr lang="he-IL"/>
           </a:p>
@@ -554,7 +554,7 @@
           <a:p>
             <a:fld id="{F02F660E-EE41-41A3-9FEB-A9B8CFBC451A}" type="datetimeFigureOut">
               <a:rPr lang="he-IL" smtClean="0"/>
-              <a:t>י'/טבת/תשפ"ג</a:t>
+              <a:t>י"א/טבת/תשפ"ג</a:t>
             </a:fld>
             <a:endParaRPr lang="he-IL"/>
           </a:p>
@@ -810,7 +810,7 @@
           <a:p>
             <a:fld id="{F02F660E-EE41-41A3-9FEB-A9B8CFBC451A}" type="datetimeFigureOut">
               <a:rPr lang="he-IL" smtClean="0"/>
-              <a:t>י'/טבת/תשפ"ג</a:t>
+              <a:t>י"א/טבת/תשפ"ג</a:t>
             </a:fld>
             <a:endParaRPr lang="he-IL"/>
           </a:p>
@@ -984,7 +984,7 @@
           <a:p>
             <a:fld id="{F02F660E-EE41-41A3-9FEB-A9B8CFBC451A}" type="datetimeFigureOut">
               <a:rPr lang="he-IL" smtClean="0"/>
-              <a:t>י'/טבת/תשפ"ג</a:t>
+              <a:t>י"א/טבת/תשפ"ג</a:t>
             </a:fld>
             <a:endParaRPr lang="he-IL"/>
           </a:p>
@@ -1327,7 +1327,7 @@
           <a:p>
             <a:fld id="{F02F660E-EE41-41A3-9FEB-A9B8CFBC451A}" type="datetimeFigureOut">
               <a:rPr lang="he-IL" smtClean="0"/>
-              <a:t>י'/טבת/תשפ"ג</a:t>
+              <a:t>י"א/טבת/תשפ"ג</a:t>
             </a:fld>
             <a:endParaRPr lang="he-IL"/>
           </a:p>
@@ -1602,7 +1602,7 @@
           <a:p>
             <a:fld id="{F02F660E-EE41-41A3-9FEB-A9B8CFBC451A}" type="datetimeFigureOut">
               <a:rPr lang="he-IL" smtClean="0"/>
-              <a:t>י'/טבת/תשפ"ג</a:t>
+              <a:t>י"א/טבת/תשפ"ג</a:t>
             </a:fld>
             <a:endParaRPr lang="he-IL"/>
           </a:p>
@@ -1981,7 +1981,7 @@
           <a:p>
             <a:fld id="{F02F660E-EE41-41A3-9FEB-A9B8CFBC451A}" type="datetimeFigureOut">
               <a:rPr lang="he-IL" smtClean="0"/>
-              <a:t>י'/טבת/תשפ"ג</a:t>
+              <a:t>י"א/טבת/תשפ"ג</a:t>
             </a:fld>
             <a:endParaRPr lang="he-IL"/>
           </a:p>
@@ -2099,7 +2099,7 @@
           <a:p>
             <a:fld id="{F02F660E-EE41-41A3-9FEB-A9B8CFBC451A}" type="datetimeFigureOut">
               <a:rPr lang="he-IL" smtClean="0"/>
-              <a:t>י'/טבת/תשפ"ג</a:t>
+              <a:t>י"א/טבת/תשפ"ג</a:t>
             </a:fld>
             <a:endParaRPr lang="he-IL"/>
           </a:p>
@@ -2270,7 +2270,7 @@
           <a:p>
             <a:fld id="{F02F660E-EE41-41A3-9FEB-A9B8CFBC451A}" type="datetimeFigureOut">
               <a:rPr lang="he-IL" smtClean="0"/>
-              <a:t>י'/טבת/תשפ"ג</a:t>
+              <a:t>י"א/טבת/תשפ"ג</a:t>
             </a:fld>
             <a:endParaRPr lang="he-IL"/>
           </a:p>
@@ -2624,7 +2624,7 @@
           <a:p>
             <a:fld id="{F02F660E-EE41-41A3-9FEB-A9B8CFBC451A}" type="datetimeFigureOut">
               <a:rPr lang="he-IL" smtClean="0"/>
-              <a:t>י'/טבת/תשפ"ג</a:t>
+              <a:t>י"א/טבת/תשפ"ג</a:t>
             </a:fld>
             <a:endParaRPr lang="he-IL"/>
           </a:p>
@@ -3006,7 +3006,7 @@
           <a:p>
             <a:fld id="{F02F660E-EE41-41A3-9FEB-A9B8CFBC451A}" type="datetimeFigureOut">
               <a:rPr lang="he-IL" smtClean="0"/>
-              <a:t>י'/טבת/תשפ"ג</a:t>
+              <a:t>י"א/טבת/תשפ"ג</a:t>
             </a:fld>
             <a:endParaRPr lang="he-IL"/>
           </a:p>
@@ -3293,7 +3293,7 @@
           <a:p>
             <a:fld id="{F02F660E-EE41-41A3-9FEB-A9B8CFBC451A}" type="datetimeFigureOut">
               <a:rPr lang="he-IL" smtClean="0"/>
-              <a:t>י'/טבת/תשפ"ג</a:t>
+              <a:t>י"א/טבת/תשפ"ג</a:t>
             </a:fld>
             <a:endParaRPr lang="he-IL"/>
           </a:p>
@@ -4692,15 +4692,11 @@
             </a:pPr>
             <a:r>
               <a:rPr lang="en-US" dirty="0"/>
-              <a:t> </a:t>
-            </a:r>
-            <a:r>
-              <a:rPr lang="en-US" dirty="0" err="1"/>
-              <a:t>SearchMessage</a:t>
-            </a:r>
-            <a:r>
-              <a:rPr lang="en-US" dirty="0"/>
-              <a:t>: Parent search message content. </a:t>
+              <a:t> Search: Information about a search done by a parent – this includes the parameters of the search as well as the list of results and babysitter replies (if any</a:t>
+            </a:r>
+            <a:r>
+              <a:rPr lang="en-US" dirty="0" smtClean="0"/>
+              <a:t>).</a:t>
             </a:r>
             <a:r>
               <a:rPr lang="en-US" dirty="0" smtClean="0"/>
@@ -4718,7 +4714,19 @@
             </a:r>
             <a:r>
               <a:rPr lang="en-US" dirty="0"/>
-              <a:t>: Babysitter reply content.</a:t>
+              <a:t>: Babysitter </a:t>
+            </a:r>
+            <a:r>
+              <a:rPr lang="en-US" dirty="0" smtClean="0"/>
+              <a:t>reply </a:t>
+            </a:r>
+            <a:r>
+              <a:rPr lang="en-US" dirty="0"/>
+              <a:t>content</a:t>
+            </a:r>
+            <a:r>
+              <a:rPr lang="en-US" dirty="0" smtClean="0"/>
+              <a:t>.</a:t>
             </a:r>
           </a:p>
           <a:p>
@@ -4727,18 +4735,33 @@
               <a:buChar char="v"/>
             </a:pPr>
             <a:r>
+              <a:rPr lang="en-US" b="1" dirty="0"/>
+              <a:t> </a:t>
+            </a:r>
+            <a:r>
+              <a:rPr lang="en-US" dirty="0" err="1"/>
+              <a:t>ReplySearch</a:t>
+            </a:r>
+            <a:r>
+              <a:rPr lang="en-US" dirty="0"/>
+              <a:t>: search reply model for babysitters – this include the Search </a:t>
+            </a:r>
+            <a:r>
+              <a:rPr lang="en-US" dirty="0" err="1"/>
+              <a:t>ForeignKey</a:t>
+            </a:r>
+            <a:r>
+              <a:rPr lang="en-US" dirty="0"/>
+              <a:t> and babysitter reply </a:t>
+            </a:r>
+            <a:r>
+              <a:rPr lang="en-US" dirty="0" err="1"/>
+              <a:t>ForeignKey</a:t>
+            </a:r>
+            <a:r>
               <a:rPr lang="en-US" dirty="0" smtClean="0"/>
-              <a:t> Search</a:t>
-            </a:r>
-            <a:r>
-              <a:rPr lang="en-US" dirty="0"/>
-              <a:t>: Information about a search done by a parent – this includes the parameters of the search as well as the list of results and babysitter replies (if any).</a:t>
-            </a:r>
-          </a:p>
-          <a:p>
-            <a:pPr marL="0" indent="0" algn="l" rtl="0">
-              <a:buNone/>
-            </a:pPr>
+              <a:t>.</a:t>
+            </a:r>
             <a:endParaRPr lang="en-US" b="1" dirty="0"/>
           </a:p>
           <a:p>
@@ -7357,6 +7380,235 @@
           </a:p>
         </p:txBody>
       </p:sp>
+      <p:sp>
+        <p:nvSpPr>
+          <p:cNvPr id="31" name="חץ: למטה 33">
+            <a:extLst>
+              <a:ext uri="{FF2B5EF4-FFF2-40B4-BE49-F238E27FC236}">
+                <a16:creationId xmlns:a16="http://schemas.microsoft.com/office/drawing/2014/main" id="{A453DDF6-2E2B-2F0D-C058-41DE2BFA64E3}"/>
+              </a:ext>
+            </a:extLst>
+          </p:cNvPr>
+          <p:cNvSpPr/>
+          <p:nvPr/>
+        </p:nvSpPr>
+        <p:spPr>
+          <a:xfrm rot="5400000">
+            <a:off x="5274251" y="4097564"/>
+            <a:ext cx="511286" cy="620270"/>
+          </a:xfrm>
+          <a:prstGeom prst="downArrow">
+            <a:avLst/>
+          </a:prstGeom>
+        </p:spPr>
+        <p:style>
+          <a:lnRef idx="2">
+            <a:schemeClr val="accent1">
+              <a:shade val="50000"/>
+            </a:schemeClr>
+          </a:lnRef>
+          <a:fillRef idx="1">
+            <a:schemeClr val="accent1"/>
+          </a:fillRef>
+          <a:effectRef idx="0">
+            <a:schemeClr val="accent1"/>
+          </a:effectRef>
+          <a:fontRef idx="minor">
+            <a:schemeClr val="lt1"/>
+          </a:fontRef>
+        </p:style>
+        <p:txBody>
+          <a:bodyPr rtlCol="1" anchor="ctr"/>
+          <a:lstStyle/>
+          <a:p>
+            <a:pPr algn="ctr"/>
+            <a:endParaRPr lang="he-IL"/>
+          </a:p>
+        </p:txBody>
+      </p:sp>
+      <p:sp>
+        <p:nvSpPr>
+          <p:cNvPr id="32" name="תיבת טקסט 34">
+            <a:extLst>
+              <a:ext uri="{FF2B5EF4-FFF2-40B4-BE49-F238E27FC236}">
+                <a16:creationId xmlns:a16="http://schemas.microsoft.com/office/drawing/2014/main" id="{84A17EB2-1BC0-E988-E020-B1207DCEC2D3}"/>
+              </a:ext>
+            </a:extLst>
+          </p:cNvPr>
+          <p:cNvSpPr txBox="1"/>
+          <p:nvPr/>
+        </p:nvSpPr>
+        <p:spPr>
+          <a:xfrm>
+            <a:off x="3699458" y="4079737"/>
+            <a:ext cx="1402671" cy="338554"/>
+          </a:xfrm>
+          <a:prstGeom prst="rect">
+            <a:avLst/>
+          </a:prstGeom>
+          <a:solidFill>
+            <a:srgbClr val="FFC000"/>
+          </a:solidFill>
+        </p:spPr>
+        <p:txBody>
+          <a:bodyPr wrap="square" rtlCol="1">
+            <a:spAutoFit/>
+          </a:bodyPr>
+          <a:lstStyle/>
+          <a:p>
+            <a:pPr algn="ctr"/>
+            <a:r>
+              <a:rPr lang="en-US" sz="1600" b="1" dirty="0" smtClean="0"/>
+              <a:t>Search</a:t>
+            </a:r>
+            <a:r>
+              <a:rPr lang="en-US" sz="1600" b="1" dirty="0" smtClean="0"/>
+              <a:t> </a:t>
+            </a:r>
+            <a:r>
+              <a:rPr lang="en-US" sz="1600" b="1" dirty="0"/>
+              <a:t>model</a:t>
+            </a:r>
+            <a:endParaRPr lang="he-IL" sz="1600" b="1" dirty="0"/>
+          </a:p>
+        </p:txBody>
+      </p:sp>
+      <p:sp>
+        <p:nvSpPr>
+          <p:cNvPr id="34" name="תיבת טקסט 34">
+            <a:extLst>
+              <a:ext uri="{FF2B5EF4-FFF2-40B4-BE49-F238E27FC236}">
+                <a16:creationId xmlns:a16="http://schemas.microsoft.com/office/drawing/2014/main" id="{84A17EB2-1BC0-E988-E020-B1207DCEC2D3}"/>
+              </a:ext>
+            </a:extLst>
+          </p:cNvPr>
+          <p:cNvSpPr txBox="1"/>
+          <p:nvPr/>
+        </p:nvSpPr>
+        <p:spPr>
+          <a:xfrm>
+            <a:off x="3252978" y="4569018"/>
+            <a:ext cx="1850211" cy="338554"/>
+          </a:xfrm>
+          <a:prstGeom prst="rect">
+            <a:avLst/>
+          </a:prstGeom>
+          <a:solidFill>
+            <a:srgbClr val="FFC000"/>
+          </a:solidFill>
+        </p:spPr>
+        <p:txBody>
+          <a:bodyPr wrap="square" rtlCol="1">
+            <a:spAutoFit/>
+          </a:bodyPr>
+          <a:lstStyle/>
+          <a:p>
+            <a:pPr algn="ctr"/>
+            <a:r>
+              <a:rPr lang="en-US" sz="1600" b="1" dirty="0" err="1" smtClean="0"/>
+              <a:t>ReplySearch</a:t>
+            </a:r>
+            <a:r>
+              <a:rPr lang="en-US" sz="1600" b="1" dirty="0" smtClean="0"/>
+              <a:t> </a:t>
+            </a:r>
+            <a:r>
+              <a:rPr lang="en-US" sz="1600" b="1" dirty="0"/>
+              <a:t>model</a:t>
+            </a:r>
+            <a:endParaRPr lang="he-IL" sz="1600" b="1" dirty="0"/>
+          </a:p>
+        </p:txBody>
+      </p:sp>
+      <p:sp>
+        <p:nvSpPr>
+          <p:cNvPr id="36" name="חץ: למטה 33">
+            <a:extLst>
+              <a:ext uri="{FF2B5EF4-FFF2-40B4-BE49-F238E27FC236}">
+                <a16:creationId xmlns:a16="http://schemas.microsoft.com/office/drawing/2014/main" id="{A453DDF6-2E2B-2F0D-C058-41DE2BFA64E3}"/>
+              </a:ext>
+            </a:extLst>
+          </p:cNvPr>
+          <p:cNvSpPr/>
+          <p:nvPr/>
+        </p:nvSpPr>
+        <p:spPr>
+          <a:xfrm>
+            <a:off x="9797955" y="4258883"/>
+            <a:ext cx="511286" cy="620270"/>
+          </a:xfrm>
+          <a:prstGeom prst="downArrow">
+            <a:avLst/>
+          </a:prstGeom>
+        </p:spPr>
+        <p:style>
+          <a:lnRef idx="2">
+            <a:schemeClr val="accent1">
+              <a:shade val="50000"/>
+            </a:schemeClr>
+          </a:lnRef>
+          <a:fillRef idx="1">
+            <a:schemeClr val="accent1"/>
+          </a:fillRef>
+          <a:effectRef idx="0">
+            <a:schemeClr val="accent1"/>
+          </a:effectRef>
+          <a:fontRef idx="minor">
+            <a:schemeClr val="lt1"/>
+          </a:fontRef>
+        </p:style>
+        <p:txBody>
+          <a:bodyPr rtlCol="1" anchor="ctr"/>
+          <a:lstStyle/>
+          <a:p>
+            <a:pPr algn="ctr"/>
+            <a:endParaRPr lang="he-IL"/>
+          </a:p>
+        </p:txBody>
+      </p:sp>
+      <p:sp>
+        <p:nvSpPr>
+          <p:cNvPr id="37" name="תיבת טקסט 34">
+            <a:extLst>
+              <a:ext uri="{FF2B5EF4-FFF2-40B4-BE49-F238E27FC236}">
+                <a16:creationId xmlns:a16="http://schemas.microsoft.com/office/drawing/2014/main" id="{84A17EB2-1BC0-E988-E020-B1207DCEC2D3}"/>
+              </a:ext>
+            </a:extLst>
+          </p:cNvPr>
+          <p:cNvSpPr txBox="1"/>
+          <p:nvPr/>
+        </p:nvSpPr>
+        <p:spPr>
+          <a:xfrm>
+            <a:off x="9332193" y="4958069"/>
+            <a:ext cx="1402671" cy="338554"/>
+          </a:xfrm>
+          <a:prstGeom prst="rect">
+            <a:avLst/>
+          </a:prstGeom>
+          <a:solidFill>
+            <a:srgbClr val="FFC000"/>
+          </a:solidFill>
+        </p:spPr>
+        <p:txBody>
+          <a:bodyPr wrap="square" rtlCol="1">
+            <a:spAutoFit/>
+          </a:bodyPr>
+          <a:lstStyle/>
+          <a:p>
+            <a:pPr algn="ctr"/>
+            <a:r>
+              <a:rPr lang="en-US" sz="1600" b="1" dirty="0" smtClean="0"/>
+              <a:t>Reply </a:t>
+            </a:r>
+            <a:r>
+              <a:rPr lang="en-US" sz="1600" b="1" dirty="0"/>
+              <a:t>model</a:t>
+            </a:r>
+            <a:endParaRPr lang="he-IL" sz="1600" b="1" dirty="0"/>
+          </a:p>
+        </p:txBody>
+      </p:sp>
     </p:spTree>
     <p:extLst>
       <p:ext uri="{BB962C8B-B14F-4D97-AF65-F5344CB8AC3E}">
@@ -7496,9 +7748,14 @@
               <a:buNone/>
             </a:pPr>
             <a:r>
-              <a:rPr lang="en-US" sz="3600" b="1" dirty="0"/>
-              <a:t>TOOD </a:t>
-            </a:r>
+              <a:rPr lang="en-US" sz="3600" b="1" dirty="0" smtClean="0"/>
+              <a:t>Improvements … </a:t>
+            </a:r>
+            <a:r>
+              <a:rPr lang="en-US" sz="3600" b="1" dirty="0" smtClean="0"/>
+              <a:t> </a:t>
+            </a:r>
+            <a:endParaRPr lang="en-US" sz="3600" b="1" dirty="0"/>
           </a:p>
           <a:p>
             <a:pPr marL="0" indent="0" algn="l" rtl="0">
@@ -7598,13 +7855,26 @@
             </a:r>
             <a:r>
               <a:rPr lang="en-US" dirty="0"/>
-              <a:t> as database.</a:t>
-            </a:r>
-          </a:p>
-          <a:p>
-            <a:pPr marL="0" indent="0" algn="l" rtl="0">
-              <a:buNone/>
+              <a:t> as database</a:t>
+            </a:r>
+            <a:r>
+              <a:rPr lang="en-US" dirty="0" smtClean="0"/>
+              <a:t>.</a:t>
+            </a:r>
+          </a:p>
+          <a:p>
+            <a:pPr algn="l" rtl="0">
+              <a:buFont typeface="Wingdings" panose="05000000000000000000" pitchFamily="2" charset="2"/>
+              <a:buChar char="v"/>
             </a:pPr>
+            <a:r>
+              <a:rPr lang="en-US" dirty="0"/>
+              <a:t> </a:t>
+            </a:r>
+            <a:r>
+              <a:rPr lang="en-US" dirty="0" smtClean="0"/>
+              <a:t>build a chat app for babysitter-parent communication</a:t>
+            </a:r>
             <a:endParaRPr lang="en-US" dirty="0"/>
           </a:p>
           <a:p>
